--- a/Diagrams.pptx
+++ b/Diagrams.pptx
@@ -7,6 +7,7 @@
   <p:sldIdLst>
     <p:sldId id="256" r:id="rId2"/>
     <p:sldId id="257" r:id="rId3"/>
+    <p:sldId id="258" r:id="rId4"/>
   </p:sldIdLst>
   <p:sldSz cx="12192000" cy="6858000"/>
   <p:notesSz cx="6858000" cy="9144000"/>
@@ -125,16 +126,48 @@
 </p:cmAuthorLst>
 </file>
 
-<file path=ppt/revisionInfo.xml><?xml version="1.0" encoding="utf-8"?>
-<p1510:revInfo xmlns:a="http://schemas.openxmlformats.org/drawingml/2006/main" xmlns:r="http://schemas.openxmlformats.org/officeDocument/2006/relationships" xmlns:p1510="http://schemas.microsoft.com/office/powerpoint/2015/10/main">
-  <p1510:revLst>
-    <p1510:client id="{8F5EA8CF-62D3-4477-BB7B-D4F0EC11FA9F}" v="9" dt="2021-05-09T01:13:12.126"/>
-  </p1510:revLst>
-</p1510:revInfo>
-</file>
-
 <file path=ppt/changesInfos/changesInfo1.xml><?xml version="1.0" encoding="utf-8"?>
 <pc:chgInfo xmlns:a="http://schemas.openxmlformats.org/drawingml/2006/main" xmlns:r="http://schemas.openxmlformats.org/officeDocument/2006/relationships" xmlns:ac="http://schemas.microsoft.com/office/drawing/2013/main/command" xmlns:pc="http://schemas.microsoft.com/office/powerpoint/2013/main/command">
+  <pc:docChgLst>
+    <pc:chgData name="Emiliano A. Carlevaro" userId="9bf72e6496f26e8d" providerId="LiveId" clId="{2DC0747A-39FA-4750-94EA-1F91F08F15D0}"/>
+    <pc:docChg chg="custSel addSld modSld">
+      <pc:chgData name="Emiliano A. Carlevaro" userId="9bf72e6496f26e8d" providerId="LiveId" clId="{2DC0747A-39FA-4750-94EA-1F91F08F15D0}" dt="2021-09-01T01:34:12.794" v="5" actId="478"/>
+      <pc:docMkLst>
+        <pc:docMk/>
+      </pc:docMkLst>
+      <pc:sldChg chg="addSp delSp modSp new mod">
+        <pc:chgData name="Emiliano A. Carlevaro" userId="9bf72e6496f26e8d" providerId="LiveId" clId="{2DC0747A-39FA-4750-94EA-1F91F08F15D0}" dt="2021-09-01T01:34:12.794" v="5" actId="478"/>
+        <pc:sldMkLst>
+          <pc:docMk/>
+          <pc:sldMk cId="1713388938" sldId="258"/>
+        </pc:sldMkLst>
+        <pc:spChg chg="del">
+          <ac:chgData name="Emiliano A. Carlevaro" userId="9bf72e6496f26e8d" providerId="LiveId" clId="{2DC0747A-39FA-4750-94EA-1F91F08F15D0}" dt="2021-09-01T01:33:33.393" v="1" actId="478"/>
+          <ac:spMkLst>
+            <pc:docMk/>
+            <pc:sldMk cId="1713388938" sldId="258"/>
+            <ac:spMk id="2" creationId="{514ACFA2-CBD1-4FBE-9CE2-B471C48AC4D5}"/>
+          </ac:spMkLst>
+        </pc:spChg>
+        <pc:spChg chg="del">
+          <ac:chgData name="Emiliano A. Carlevaro" userId="9bf72e6496f26e8d" providerId="LiveId" clId="{2DC0747A-39FA-4750-94EA-1F91F08F15D0}" dt="2021-09-01T01:33:35.038" v="2" actId="478"/>
+          <ac:spMkLst>
+            <pc:docMk/>
+            <pc:sldMk cId="1713388938" sldId="258"/>
+            <ac:spMk id="3" creationId="{1CF257E9-755F-4060-912C-E957BE7A6EDC}"/>
+          </ac:spMkLst>
+        </pc:spChg>
+        <pc:graphicFrameChg chg="add del modGraphic">
+          <ac:chgData name="Emiliano A. Carlevaro" userId="9bf72e6496f26e8d" providerId="LiveId" clId="{2DC0747A-39FA-4750-94EA-1F91F08F15D0}" dt="2021-09-01T01:34:12.794" v="5" actId="478"/>
+          <ac:graphicFrameMkLst>
+            <pc:docMk/>
+            <pc:sldMk cId="1713388938" sldId="258"/>
+            <ac:graphicFrameMk id="4" creationId="{9D017134-1BB2-4A27-A610-7E66795CF9B4}"/>
+          </ac:graphicFrameMkLst>
+        </pc:graphicFrameChg>
+      </pc:sldChg>
+    </pc:docChg>
+  </pc:docChgLst>
   <pc:docChgLst>
     <pc:chgData name="Emiliano A. Carlevaro" userId="9bf72e6496f26e8d" providerId="LiveId" clId="{A3FCBB67-2F5F-4935-A5F8-D56BE4BA69E0}"/>
     <pc:docChg chg="addSld">
@@ -835,7 +868,7 @@
           <a:p>
             <a:fld id="{96D7347A-577C-4FFC-862D-870D025628AE}" type="datetimeFigureOut">
               <a:rPr lang="en-AU" smtClean="0"/>
-              <a:t>8/05/2021</a:t>
+              <a:t>1/09/2021</a:t>
             </a:fld>
             <a:endParaRPr lang="en-AU"/>
           </a:p>
@@ -1035,7 +1068,7 @@
           <a:p>
             <a:fld id="{96D7347A-577C-4FFC-862D-870D025628AE}" type="datetimeFigureOut">
               <a:rPr lang="en-AU" smtClean="0"/>
-              <a:t>8/05/2021</a:t>
+              <a:t>1/09/2021</a:t>
             </a:fld>
             <a:endParaRPr lang="en-AU"/>
           </a:p>
@@ -1245,7 +1278,7 @@
           <a:p>
             <a:fld id="{96D7347A-577C-4FFC-862D-870D025628AE}" type="datetimeFigureOut">
               <a:rPr lang="en-AU" smtClean="0"/>
-              <a:t>8/05/2021</a:t>
+              <a:t>1/09/2021</a:t>
             </a:fld>
             <a:endParaRPr lang="en-AU"/>
           </a:p>
@@ -1445,7 +1478,7 @@
           <a:p>
             <a:fld id="{96D7347A-577C-4FFC-862D-870D025628AE}" type="datetimeFigureOut">
               <a:rPr lang="en-AU" smtClean="0"/>
-              <a:t>8/05/2021</a:t>
+              <a:t>1/09/2021</a:t>
             </a:fld>
             <a:endParaRPr lang="en-AU"/>
           </a:p>
@@ -1721,7 +1754,7 @@
           <a:p>
             <a:fld id="{96D7347A-577C-4FFC-862D-870D025628AE}" type="datetimeFigureOut">
               <a:rPr lang="en-AU" smtClean="0"/>
-              <a:t>8/05/2021</a:t>
+              <a:t>1/09/2021</a:t>
             </a:fld>
             <a:endParaRPr lang="en-AU"/>
           </a:p>
@@ -1989,7 +2022,7 @@
           <a:p>
             <a:fld id="{96D7347A-577C-4FFC-862D-870D025628AE}" type="datetimeFigureOut">
               <a:rPr lang="en-AU" smtClean="0"/>
-              <a:t>8/05/2021</a:t>
+              <a:t>1/09/2021</a:t>
             </a:fld>
             <a:endParaRPr lang="en-AU"/>
           </a:p>
@@ -2404,7 +2437,7 @@
           <a:p>
             <a:fld id="{96D7347A-577C-4FFC-862D-870D025628AE}" type="datetimeFigureOut">
               <a:rPr lang="en-AU" smtClean="0"/>
-              <a:t>8/05/2021</a:t>
+              <a:t>1/09/2021</a:t>
             </a:fld>
             <a:endParaRPr lang="en-AU"/>
           </a:p>
@@ -2546,7 +2579,7 @@
           <a:p>
             <a:fld id="{96D7347A-577C-4FFC-862D-870D025628AE}" type="datetimeFigureOut">
               <a:rPr lang="en-AU" smtClean="0"/>
-              <a:t>8/05/2021</a:t>
+              <a:t>1/09/2021</a:t>
             </a:fld>
             <a:endParaRPr lang="en-AU"/>
           </a:p>
@@ -2659,7 +2692,7 @@
           <a:p>
             <a:fld id="{96D7347A-577C-4FFC-862D-870D025628AE}" type="datetimeFigureOut">
               <a:rPr lang="en-AU" smtClean="0"/>
-              <a:t>8/05/2021</a:t>
+              <a:t>1/09/2021</a:t>
             </a:fld>
             <a:endParaRPr lang="en-AU"/>
           </a:p>
@@ -2972,7 +3005,7 @@
           <a:p>
             <a:fld id="{96D7347A-577C-4FFC-862D-870D025628AE}" type="datetimeFigureOut">
               <a:rPr lang="en-AU" smtClean="0"/>
-              <a:t>8/05/2021</a:t>
+              <a:t>1/09/2021</a:t>
             </a:fld>
             <a:endParaRPr lang="en-AU"/>
           </a:p>
@@ -3261,7 +3294,7 @@
           <a:p>
             <a:fld id="{96D7347A-577C-4FFC-862D-870D025628AE}" type="datetimeFigureOut">
               <a:rPr lang="en-AU" smtClean="0"/>
-              <a:t>8/05/2021</a:t>
+              <a:t>1/09/2021</a:t>
             </a:fld>
             <a:endParaRPr lang="en-AU"/>
           </a:p>
@@ -3504,7 +3537,7 @@
           <a:p>
             <a:fld id="{96D7347A-577C-4FFC-862D-870D025628AE}" type="datetimeFigureOut">
               <a:rPr lang="en-AU" smtClean="0"/>
-              <a:t>8/05/2021</a:t>
+              <a:t>1/09/2021</a:t>
             </a:fld>
             <a:endParaRPr lang="en-AU"/>
           </a:p>
@@ -5543,6 +5576,36 @@
 </p:sld>
 </file>
 
+<file path=ppt/slides/slide3.xml><?xml version="1.0" encoding="utf-8"?>
+<p:sld xmlns:a="http://schemas.openxmlformats.org/drawingml/2006/main" xmlns:r="http://schemas.openxmlformats.org/officeDocument/2006/relationships" xmlns:p="http://schemas.openxmlformats.org/presentationml/2006/main">
+  <p:cSld>
+    <p:spTree>
+      <p:nvGrpSpPr>
+        <p:cNvPr id="1" name=""/>
+        <p:cNvGrpSpPr/>
+        <p:nvPr/>
+      </p:nvGrpSpPr>
+      <p:grpSpPr>
+        <a:xfrm>
+          <a:off x="0" y="0"/>
+          <a:ext cx="0" cy="0"/>
+          <a:chOff x="0" y="0"/>
+          <a:chExt cx="0" cy="0"/>
+        </a:xfrm>
+      </p:grpSpPr>
+    </p:spTree>
+    <p:extLst>
+      <p:ext uri="{BB962C8B-B14F-4D97-AF65-F5344CB8AC3E}">
+        <p14:creationId xmlns:p14="http://schemas.microsoft.com/office/powerpoint/2010/main" val="1713388938"/>
+      </p:ext>
+    </p:extLst>
+  </p:cSld>
+  <p:clrMapOvr>
+    <a:masterClrMapping/>
+  </p:clrMapOvr>
+</p:sld>
+</file>
+
 <file path=ppt/theme/theme1.xml><?xml version="1.0" encoding="utf-8"?>
 <a:theme xmlns:a="http://schemas.openxmlformats.org/drawingml/2006/main" name="Office Theme">
   <a:themeElements>
